--- a/Presentation.pptx
+++ b/Presentation.pptx
@@ -134,6 +134,22 @@
       </a:defRPr>
     </a:lvl9pPr>
   </p:defaultTextStyle>
+  <p:extLst>
+    <p:ext uri="{EFAFB233-063F-42B5-8137-9DF3F51BA10A}">
+      <p15:sldGuideLst xmlns:p15="http://schemas.microsoft.com/office/powerpoint/2012/main">
+        <p15:guide id="1" orient="horz" pos="2160">
+          <p15:clr>
+            <a:srgbClr val="A4A3A4"/>
+          </p15:clr>
+        </p15:guide>
+        <p15:guide id="2" pos="2880">
+          <p15:clr>
+            <a:srgbClr val="A4A3A4"/>
+          </p15:clr>
+        </p15:guide>
+      </p15:sldGuideLst>
+    </p:ext>
+  </p:extLst>
 </p:presentation>
 </file>
 
@@ -1949,7 +1965,7 @@
           <a:p>
             <a:fld id="{419779E0-EA80-49FC-86F1-F2A1579200B4}" type="datetimeFigureOut">
               <a:rPr lang="en-IN" smtClean="0"/>
-              <a:t>07-04-2013</a:t>
+              <a:t>09-06-2015</a:t>
             </a:fld>
             <a:endParaRPr lang="en-IN"/>
           </a:p>
@@ -2130,7 +2146,7 @@
           <a:p>
             <a:fld id="{419779E0-EA80-49FC-86F1-F2A1579200B4}" type="datetimeFigureOut">
               <a:rPr lang="en-IN" smtClean="0"/>
-              <a:t>07-04-2013</a:t>
+              <a:t>09-06-2015</a:t>
             </a:fld>
             <a:endParaRPr lang="en-IN"/>
           </a:p>
@@ -2281,7 +2297,7 @@
           <a:p>
             <a:fld id="{419779E0-EA80-49FC-86F1-F2A1579200B4}" type="datetimeFigureOut">
               <a:rPr lang="en-IN" smtClean="0"/>
-              <a:t>07-04-2013</a:t>
+              <a:t>09-06-2015</a:t>
             </a:fld>
             <a:endParaRPr lang="en-IN"/>
           </a:p>
@@ -4107,7 +4123,7 @@
           <a:p>
             <a:fld id="{419779E0-EA80-49FC-86F1-F2A1579200B4}" type="datetimeFigureOut">
               <a:rPr lang="en-IN" smtClean="0"/>
-              <a:t>07-04-2013</a:t>
+              <a:t>09-06-2015</a:t>
             </a:fld>
             <a:endParaRPr lang="en-IN"/>
           </a:p>
@@ -5977,7 +5993,7 @@
           <a:p>
             <a:fld id="{419779E0-EA80-49FC-86F1-F2A1579200B4}" type="datetimeFigureOut">
               <a:rPr lang="en-IN" smtClean="0"/>
-              <a:t>07-04-2013</a:t>
+              <a:t>09-06-2015</a:t>
             </a:fld>
             <a:endParaRPr lang="en-IN"/>
           </a:p>
@@ -6090,7 +6106,7 @@
           <a:p>
             <a:fld id="{419779E0-EA80-49FC-86F1-F2A1579200B4}" type="datetimeFigureOut">
               <a:rPr lang="en-IN" smtClean="0"/>
-              <a:t>07-04-2013</a:t>
+              <a:t>09-06-2015</a:t>
             </a:fld>
             <a:endParaRPr lang="en-IN"/>
           </a:p>
@@ -6631,7 +6647,7 @@
           <a:p>
             <a:fld id="{419779E0-EA80-49FC-86F1-F2A1579200B4}" type="datetimeFigureOut">
               <a:rPr lang="en-IN" smtClean="0"/>
-              <a:t>07-04-2013</a:t>
+              <a:t>09-06-2015</a:t>
             </a:fld>
             <a:endParaRPr lang="en-IN"/>
           </a:p>
@@ -6744,7 +6760,7 @@
           <a:p>
             <a:fld id="{419779E0-EA80-49FC-86F1-F2A1579200B4}" type="datetimeFigureOut">
               <a:rPr lang="en-IN" smtClean="0"/>
-              <a:t>07-04-2013</a:t>
+              <a:t>09-06-2015</a:t>
             </a:fld>
             <a:endParaRPr lang="en-IN"/>
           </a:p>
@@ -8455,7 +8471,7 @@
           <a:p>
             <a:fld id="{419779E0-EA80-49FC-86F1-F2A1579200B4}" type="datetimeFigureOut">
               <a:rPr lang="en-IN" smtClean="0"/>
-              <a:t>07-04-2013</a:t>
+              <a:t>09-06-2015</a:t>
             </a:fld>
             <a:endParaRPr lang="en-IN"/>
           </a:p>
@@ -8606,7 +8622,7 @@
           <a:p>
             <a:fld id="{419779E0-EA80-49FC-86F1-F2A1579200B4}" type="datetimeFigureOut">
               <a:rPr lang="en-IN" smtClean="0"/>
-              <a:t>07-04-2013</a:t>
+              <a:t>09-06-2015</a:t>
             </a:fld>
             <a:endParaRPr lang="en-IN"/>
           </a:p>
@@ -12221,7 +12237,7 @@
           <a:p>
             <a:fld id="{419779E0-EA80-49FC-86F1-F2A1579200B4}" type="datetimeFigureOut">
               <a:rPr lang="en-IN" smtClean="0"/>
-              <a:t>07-04-2013</a:t>
+              <a:t>09-06-2015</a:t>
             </a:fld>
             <a:endParaRPr lang="en-IN"/>
           </a:p>
@@ -14080,7 +14096,7 @@
           <a:p>
             <a:fld id="{419779E0-EA80-49FC-86F1-F2A1579200B4}" type="datetimeFigureOut">
               <a:rPr lang="en-IN" smtClean="0"/>
-              <a:t>07-04-2013</a:t>
+              <a:t>09-06-2015</a:t>
             </a:fld>
             <a:endParaRPr lang="en-IN"/>
           </a:p>
@@ -14749,8 +14765,8 @@
         </p:nvSpPr>
         <p:spPr bwMode="auto">
           <a:xfrm>
-            <a:off x="6105525" y="4191372"/>
-            <a:ext cx="2590800" cy="1676400"/>
+            <a:off x="6084168" y="5013176"/>
+            <a:ext cx="2590800" cy="854596"/>
           </a:xfrm>
           <a:prstGeom prst="rect">
             <a:avLst/>
@@ -14816,78 +14832,6 @@
               </a:solidFill>
               <a:latin typeface="Arial Black"/>
             </a:endParaRPr>
-          </a:p>
-          <a:p>
-            <a:r>
-              <a:rPr lang="en-US" sz="3200" kern="10" dirty="0" err="1" smtClean="0">
-                <a:ln w="9525">
-                  <a:solidFill>
-                    <a:srgbClr val="000000"/>
-                  </a:solidFill>
-                  <a:round/>
-                  <a:headEnd/>
-                  <a:tailEnd/>
-                </a:ln>
-                <a:solidFill>
-                  <a:srgbClr val="003366"/>
-                </a:solidFill>
-                <a:latin typeface="Arial Black"/>
-              </a:rPr>
-              <a:t>G.Varun</a:t>
-            </a:r>
-            <a:r>
-              <a:rPr lang="en-US" sz="3200" kern="10" dirty="0" smtClean="0">
-                <a:ln w="9525">
-                  <a:solidFill>
-                    <a:srgbClr val="000000"/>
-                  </a:solidFill>
-                  <a:round/>
-                  <a:headEnd/>
-                  <a:tailEnd/>
-                </a:ln>
-                <a:solidFill>
-                  <a:srgbClr val="003366"/>
-                </a:solidFill>
-                <a:latin typeface="Arial Black"/>
-              </a:rPr>
-              <a:t> Kumar</a:t>
-            </a:r>
-          </a:p>
-          <a:p>
-            <a:r>
-              <a:rPr lang="en-US" sz="3200" kern="10" dirty="0" err="1" smtClean="0">
-                <a:ln w="9525">
-                  <a:solidFill>
-                    <a:srgbClr val="000000"/>
-                  </a:solidFill>
-                  <a:round/>
-                  <a:headEnd/>
-                  <a:tailEnd/>
-                </a:ln>
-                <a:solidFill>
-                  <a:srgbClr val="003366"/>
-                </a:solidFill>
-                <a:latin typeface="Arial Black"/>
-              </a:rPr>
-              <a:t>K.Vinoth</a:t>
-            </a:r>
-            <a:r>
-              <a:rPr lang="en-US" sz="3200" kern="10" dirty="0" smtClean="0">
-                <a:ln w="9525">
-                  <a:solidFill>
-                    <a:srgbClr val="000000"/>
-                  </a:solidFill>
-                  <a:round/>
-                  <a:headEnd/>
-                  <a:tailEnd/>
-                </a:ln>
-                <a:solidFill>
-                  <a:srgbClr val="003366"/>
-                </a:solidFill>
-                <a:latin typeface="Arial Black"/>
-              </a:rPr>
-              <a:t> Kumar</a:t>
-            </a:r>
           </a:p>
         </p:txBody>
       </p:sp>
